--- a/Presentations/Permissions_Management_System_Presentation.pptx
+++ b/Presentations/Permissions_Management_System_Presentation.pptx
@@ -317,7 +317,7 @@
               <a:rPr lang="en-US" smtClean="0">
                 <a:latin typeface="Arial" panose="020B0604020202020204" pitchFamily="34" charset="0"/>
               </a:rPr>
-              <a:t>10/16/24</a:t>
+              <a:t>10/30/24</a:t>
             </a:fld>
             <a:endParaRPr lang="en-US" dirty="0">
               <a:latin typeface="Arial" panose="020B0604020202020204" pitchFamily="34" charset="0"/>
@@ -1806,7 +1806,7 @@
           <a:p>
             <a:fld id="{603289AC-4C12-4E6D-B39B-A4756814FEEC}" type="datetimeFigureOut">
               <a:rPr lang="en-US" smtClean="0"/>
-              <a:t>10/16/24</a:t>
+              <a:t>10/30/24</a:t>
             </a:fld>
             <a:endParaRPr lang="en-US"/>
           </a:p>
@@ -1911,7 +1911,7 @@
           <a:p>
             <a:fld id="{C21F6912-E12D-42E4-A1B4-78CBD40CB479}" type="datetimeFigureOut">
               <a:rPr lang="en-US" smtClean="0"/>
-              <a:t>10/16/24</a:t>
+              <a:t>10/30/24</a:t>
             </a:fld>
             <a:endParaRPr lang="en-US"/>
           </a:p>
@@ -2358,7 +2358,7 @@
           <a:p>
             <a:fld id="{DEA4E619-B820-4E56-B835-00DD6E9C1F73}" type="datetimeFigureOut">
               <a:rPr lang="en-US" smtClean="0"/>
-              <a:t>10/16/24</a:t>
+              <a:t>10/30/24</a:t>
             </a:fld>
             <a:endParaRPr lang="en-US"/>
           </a:p>
@@ -2542,7 +2542,7 @@
           <a:p>
             <a:fld id="{25B14EA0-D077-4AF7-BC7C-65CF8C1E39C3}" type="datetimeFigureOut">
               <a:rPr lang="en-US" smtClean="0"/>
-              <a:t>10/16/24</a:t>
+              <a:t>10/30/24</a:t>
             </a:fld>
             <a:endParaRPr lang="en-US"/>
           </a:p>
@@ -2862,7 +2862,7 @@
           <a:p>
             <a:fld id="{25B14EA0-D077-4AF7-BC7C-65CF8C1E39C3}" type="datetimeFigureOut">
               <a:rPr lang="en-US" smtClean="0"/>
-              <a:t>10/16/24</a:t>
+              <a:t>10/30/24</a:t>
             </a:fld>
             <a:endParaRPr lang="en-US"/>
           </a:p>
@@ -3217,7 +3217,7 @@
           <a:p>
             <a:fld id="{603289AC-4C12-4E6D-B39B-A4756814FEEC}" type="datetimeFigureOut">
               <a:rPr lang="en-US" smtClean="0"/>
-              <a:t>10/16/24</a:t>
+              <a:t>10/30/24</a:t>
             </a:fld>
             <a:endParaRPr lang="en-US"/>
           </a:p>
@@ -9773,7 +9773,7 @@
           <a:p>
             <a:fld id="{1B14FBC4-36FA-423D-BDD2-47F855CE7E5F}" type="datetimeFigureOut">
               <a:rPr lang="en-US" smtClean="0"/>
-              <a:t>10/16/24</a:t>
+              <a:t>10/30/24</a:t>
             </a:fld>
             <a:endParaRPr lang="en-US"/>
           </a:p>
@@ -10041,7 +10041,7 @@
           <a:p>
             <a:fld id="{BFD34698-4CB0-4260-A437-6B0E52C5ABA4}" type="datetimeFigureOut">
               <a:rPr lang="en-US" smtClean="0"/>
-              <a:t>10/16/24</a:t>
+              <a:t>10/30/24</a:t>
             </a:fld>
             <a:endParaRPr lang="en-US"/>
           </a:p>
@@ -10291,7 +10291,7 @@
           <a:p>
             <a:fld id="{BFD34698-4CB0-4260-A437-6B0E52C5ABA4}" type="datetimeFigureOut">
               <a:rPr lang="en-US" smtClean="0"/>
-              <a:t>10/16/24</a:t>
+              <a:t>10/30/24</a:t>
             </a:fld>
             <a:endParaRPr lang="en-US"/>
           </a:p>
@@ -10525,7 +10525,7 @@
           <a:p>
             <a:fld id="{CF0E1690-FFBA-4DAF-B44A-36E39ACA0346}" type="datetimeFigureOut">
               <a:rPr lang="en-US" smtClean="0"/>
-              <a:t>10/16/24</a:t>
+              <a:t>10/30/24</a:t>
             </a:fld>
             <a:endParaRPr lang="en-US"/>
           </a:p>
@@ -10936,7 +10936,7 @@
           <a:p>
             <a:fld id="{8F2A6A3B-A6C9-4C0C-BBE8-3BEF53BED0C3}" type="datetimeFigureOut">
               <a:rPr lang="en-US" smtClean="0"/>
-              <a:t>10/16/24</a:t>
+              <a:t>10/30/24</a:t>
             </a:fld>
             <a:endParaRPr lang="en-US"/>
           </a:p>
@@ -11636,7 +11636,7 @@
           <a:p>
             <a:fld id="{B4E2EE95-4511-40DC-8811-39B6C5014E5F}" type="datetimeFigureOut">
               <a:rPr lang="en-US" smtClean="0"/>
-              <a:t>10/16/24</a:t>
+              <a:t>10/30/24</a:t>
             </a:fld>
             <a:endParaRPr lang="en-US"/>
           </a:p>
@@ -11739,7 +11739,7 @@
           <a:p>
             <a:fld id="{BA761656-1249-4F38-99F8-ACF2559DA4D2}" type="datetimeFigureOut">
               <a:rPr lang="en-US" smtClean="0"/>
-              <a:t>10/16/24</a:t>
+              <a:t>10/30/24</a:t>
             </a:fld>
             <a:endParaRPr lang="en-US"/>
           </a:p>
@@ -11822,7 +11822,7 @@
           <a:p>
             <a:fld id="{285138E8-3F3E-4DC5-A5FA-50868B94627A}" type="datetimeFigureOut">
               <a:rPr lang="en-US" smtClean="0"/>
-              <a:t>10/16/24</a:t>
+              <a:t>10/30/24</a:t>
             </a:fld>
             <a:endParaRPr lang="en-US" dirty="0"/>
           </a:p>
@@ -13095,7 +13095,7 @@
           <a:p>
             <a:r>
               <a:rPr lang="en-US" dirty="0"/>
-              <a:t>Ilya Rokhkin | HC DevOps</a:t>
+              <a:t>Ilya Rokhkin | Cloud Operations DevOps</a:t>
             </a:r>
           </a:p>
           <a:p>
@@ -14119,7 +14119,7 @@
                   <a:srgbClr val="000000"/>
                 </a:solidFill>
               </a:rPr>
-              <a:t>team: Harmony Connect DevOps</a:t>
+              <a:t>team: Cloud Operations DevOps</a:t>
             </a:r>
             <a:br>
               <a:rPr lang="en-US" dirty="0">
@@ -14149,7 +14149,7 @@
                   <a:srgbClr val="000000"/>
                 </a:solidFill>
               </a:rPr>
-              <a:t>   - HC production, SRE, monitoring </a:t>
+              <a:t>   - Production, SRE, monitoring </a:t>
             </a:r>
             <a:br>
               <a:rPr lang="en-US" dirty="0">
@@ -14164,7 +14164,7 @@
                   <a:srgbClr val="000000"/>
                 </a:solidFill>
               </a:rPr>
-              <a:t>   - HC </a:t>
+              <a:t>   - </a:t>
             </a:r>
             <a:r>
               <a:rPr lang="en-US" dirty="0" err="1">
